--- a/test/linktest.pptx
+++ b/test/linktest.pptx
@@ -3503,7 +3503,7 @@
               <a:defRPr sz="3000"/>
             </a:pPr>
             <a:r>
-              <a:t>md2pptx Markdown To Powerpoint Converter 0.9.1 10 October, 2020</a:t>
+              <a:t>md2pptx Markdown To Powerpoint Converter 1.1 14 October, 2020</a:t>
             </a:r>
             <a:endParaRPr lang="en-US"/>
           </a:p>
@@ -3532,7 +3532,7 @@
           <a:lstStyle/>
           <a:p>
             <a:r>
-              <a:t>Presentation built: 20:58 on 10 October, 2020</a:t>
+              <a:t>Presentation built: 12:34 on 14 October, 2020</a:t>
             </a:r>
           </a:p>
           <a:p>
@@ -3544,7 +3544,7 @@
           <a:p>
             <a:pPr lvl="1"/>
             <a:r>
-              <a:t>master: Martin Master.pptx</a:t>
+              <a:t>template: Martin Template.pptx</a:t>
             </a:r>
           </a:p>
         </p:txBody>
